--- a/Private Lessons/Private Lessons Poster.pptx
+++ b/Private Lessons/Private Lessons Poster.pptx
@@ -243,7 +243,7 @@
           <a:p>
             <a:fld id="{88D6B78A-5E3E-4C72-B4C9-B5C7FAC811A0}" type="datetimeFigureOut">
               <a:rPr lang="it-IT" smtClean="0"/>
-              <a:t>02/12/2022</a:t>
+              <a:t>12/12/2023</a:t>
             </a:fld>
             <a:endParaRPr lang="it-IT"/>
           </a:p>
@@ -413,7 +413,7 @@
           <a:p>
             <a:fld id="{88D6B78A-5E3E-4C72-B4C9-B5C7FAC811A0}" type="datetimeFigureOut">
               <a:rPr lang="it-IT" smtClean="0"/>
-              <a:t>02/12/2022</a:t>
+              <a:t>12/12/2023</a:t>
             </a:fld>
             <a:endParaRPr lang="it-IT"/>
           </a:p>
@@ -593,7 +593,7 @@
           <a:p>
             <a:fld id="{88D6B78A-5E3E-4C72-B4C9-B5C7FAC811A0}" type="datetimeFigureOut">
               <a:rPr lang="it-IT" smtClean="0"/>
-              <a:t>02/12/2022</a:t>
+              <a:t>12/12/2023</a:t>
             </a:fld>
             <a:endParaRPr lang="it-IT"/>
           </a:p>
@@ -763,7 +763,7 @@
           <a:p>
             <a:fld id="{88D6B78A-5E3E-4C72-B4C9-B5C7FAC811A0}" type="datetimeFigureOut">
               <a:rPr lang="it-IT" smtClean="0"/>
-              <a:t>02/12/2022</a:t>
+              <a:t>12/12/2023</a:t>
             </a:fld>
             <a:endParaRPr lang="it-IT"/>
           </a:p>
@@ -1007,7 +1007,7 @@
           <a:p>
             <a:fld id="{88D6B78A-5E3E-4C72-B4C9-B5C7FAC811A0}" type="datetimeFigureOut">
               <a:rPr lang="it-IT" smtClean="0"/>
-              <a:t>02/12/2022</a:t>
+              <a:t>12/12/2023</a:t>
             </a:fld>
             <a:endParaRPr lang="it-IT"/>
           </a:p>
@@ -1239,7 +1239,7 @@
           <a:p>
             <a:fld id="{88D6B78A-5E3E-4C72-B4C9-B5C7FAC811A0}" type="datetimeFigureOut">
               <a:rPr lang="it-IT" smtClean="0"/>
-              <a:t>02/12/2022</a:t>
+              <a:t>12/12/2023</a:t>
             </a:fld>
             <a:endParaRPr lang="it-IT"/>
           </a:p>
@@ -1606,7 +1606,7 @@
           <a:p>
             <a:fld id="{88D6B78A-5E3E-4C72-B4C9-B5C7FAC811A0}" type="datetimeFigureOut">
               <a:rPr lang="it-IT" smtClean="0"/>
-              <a:t>02/12/2022</a:t>
+              <a:t>12/12/2023</a:t>
             </a:fld>
             <a:endParaRPr lang="it-IT"/>
           </a:p>
@@ -1724,7 +1724,7 @@
           <a:p>
             <a:fld id="{88D6B78A-5E3E-4C72-B4C9-B5C7FAC811A0}" type="datetimeFigureOut">
               <a:rPr lang="it-IT" smtClean="0"/>
-              <a:t>02/12/2022</a:t>
+              <a:t>12/12/2023</a:t>
             </a:fld>
             <a:endParaRPr lang="it-IT"/>
           </a:p>
@@ -1819,7 +1819,7 @@
           <a:p>
             <a:fld id="{88D6B78A-5E3E-4C72-B4C9-B5C7FAC811A0}" type="datetimeFigureOut">
               <a:rPr lang="it-IT" smtClean="0"/>
-              <a:t>02/12/2022</a:t>
+              <a:t>12/12/2023</a:t>
             </a:fld>
             <a:endParaRPr lang="it-IT"/>
           </a:p>
@@ -2096,7 +2096,7 @@
           <a:p>
             <a:fld id="{88D6B78A-5E3E-4C72-B4C9-B5C7FAC811A0}" type="datetimeFigureOut">
               <a:rPr lang="it-IT" smtClean="0"/>
-              <a:t>02/12/2022</a:t>
+              <a:t>12/12/2023</a:t>
             </a:fld>
             <a:endParaRPr lang="it-IT"/>
           </a:p>
@@ -2353,7 +2353,7 @@
           <a:p>
             <a:fld id="{88D6B78A-5E3E-4C72-B4C9-B5C7FAC811A0}" type="datetimeFigureOut">
               <a:rPr lang="it-IT" smtClean="0"/>
-              <a:t>02/12/2022</a:t>
+              <a:t>12/12/2023</a:t>
             </a:fld>
             <a:endParaRPr lang="it-IT"/>
           </a:p>
@@ -2566,7 +2566,7 @@
           <a:p>
             <a:fld id="{88D6B78A-5E3E-4C72-B4C9-B5C7FAC811A0}" type="datetimeFigureOut">
               <a:rPr lang="it-IT" smtClean="0"/>
-              <a:t>02/12/2022</a:t>
+              <a:t>12/12/2023</a:t>
             </a:fld>
             <a:endParaRPr lang="it-IT"/>
           </a:p>
@@ -3045,7 +3045,7 @@
                 <a:latin typeface="Catamaran SemiBold" panose="00000700000000000000" pitchFamily="2" charset="0"/>
                 <a:cs typeface="Catamaran SemiBold" panose="00000700000000000000" pitchFamily="2" charset="0"/>
               </a:rPr>
-              <a:t>Sono uno studente di ingegneria meccanica (3°anno), precedentemente diplomato al Liceo Scientifico (opzione Scienze Applicate) Giovio.</a:t>
+              <a:t>Sono uno studente di ingegneria meccanica (4°anno), precedentemente diplomato al Liceo Scientifico (opzione Scienze Applicate) Giovio.</a:t>
             </a:r>
             <a:endParaRPr lang="it-IT" sz="1463" dirty="0">
               <a:latin typeface="Catamaran SemiBold" panose="00000700000000000000" pitchFamily="2" charset="0"/>
@@ -3333,8 +3333,8 @@
             </p:nvSpPr>
             <p:spPr>
               <a:xfrm>
-                <a:off x="461439" y="6064384"/>
-                <a:ext cx="8983122" cy="542456"/>
+                <a:off x="461439" y="5723704"/>
+                <a:ext cx="8983122" cy="776106"/>
               </a:xfrm>
               <a:prstGeom prst="rect">
                 <a:avLst/>
@@ -3517,7 +3517,7 @@
                     <a:latin typeface="Catamaran SemiBold" panose="00000700000000000000" pitchFamily="2" charset="0"/>
                     <a:cs typeface="Catamaran SemiBold" panose="00000700000000000000" pitchFamily="2" charset="0"/>
                   </a:rPr>
-                  <a:t>Orari flessibili, dove preferisci tu e solo quando ne senti il bisogno (nessuna pressione da parte mia).</a:t>
+                  <a:t>Orari flessibili, dove preferisci tu* e solo quando ne senti il bisogno (nessuna pressione da parte mia)**. </a:t>
                 </a:r>
               </a:p>
               <a:p>
@@ -3741,8 +3741,8 @@
             </p:nvSpPr>
             <p:spPr>
               <a:xfrm>
-                <a:off x="461439" y="6064384"/>
-                <a:ext cx="8983122" cy="542456"/>
+                <a:off x="461439" y="5723704"/>
+                <a:ext cx="8983122" cy="776106"/>
               </a:xfrm>
               <a:prstGeom prst="rect">
                 <a:avLst/>
@@ -3750,7 +3750,7 @@
               <a:blipFill>
                 <a:blip r:embed="rId2"/>
                 <a:stretch>
-                  <a:fillRect t="-12360" b="-94382"/>
+                  <a:fillRect b="-51181"/>
                 </a:stretch>
               </a:blipFill>
             </p:spPr>
@@ -4392,6 +4392,436 @@
           </a:prstGeom>
         </p:spPr>
       </p:pic>
+      <p:sp>
+        <p:nvSpPr>
+          <p:cNvPr id="11" name="Sottotitolo 2">
+            <a:extLst>
+              <a:ext uri="{FF2B5EF4-FFF2-40B4-BE49-F238E27FC236}">
+                <a16:creationId xmlns:a16="http://schemas.microsoft.com/office/drawing/2014/main" id="{CBEC894A-503C-D60F-E332-878DACF93DAB}"/>
+              </a:ext>
+            </a:extLst>
+          </p:cNvPr>
+          <p:cNvSpPr txBox="1">
+            <a:spLocks/>
+          </p:cNvSpPr>
+          <p:nvPr/>
+        </p:nvSpPr>
+        <p:spPr>
+          <a:xfrm>
+            <a:off x="1" y="6499810"/>
+            <a:ext cx="4953000" cy="380115"/>
+          </a:xfrm>
+          <a:prstGeom prst="rect">
+            <a:avLst/>
+          </a:prstGeom>
+        </p:spPr>
+        <p:txBody>
+          <a:bodyPr vert="horz" lIns="74295" tIns="37148" rIns="74295" bIns="37148" rtlCol="0" anchor="ctr">
+            <a:normAutofit/>
+          </a:bodyPr>
+          <a:lstStyle>
+            <a:lvl1pPr marL="0" indent="0" algn="ctr" defTabSz="914400" rtl="0" eaLnBrk="1" latinLnBrk="0" hangingPunct="1">
+              <a:lnSpc>
+                <a:spcPct val="90000"/>
+              </a:lnSpc>
+              <a:spcBef>
+                <a:spcPts val="1000"/>
+              </a:spcBef>
+              <a:buFont typeface="Arial" panose="020B0604020202020204" pitchFamily="34" charset="0"/>
+              <a:buNone/>
+              <a:defRPr sz="2400" kern="1200">
+                <a:solidFill>
+                  <a:schemeClr val="tx1"/>
+                </a:solidFill>
+                <a:latin typeface="+mn-lt"/>
+                <a:ea typeface="+mn-ea"/>
+                <a:cs typeface="+mn-cs"/>
+              </a:defRPr>
+            </a:lvl1pPr>
+            <a:lvl2pPr marL="457200" indent="0" algn="ctr" defTabSz="914400" rtl="0" eaLnBrk="1" latinLnBrk="0" hangingPunct="1">
+              <a:lnSpc>
+                <a:spcPct val="90000"/>
+              </a:lnSpc>
+              <a:spcBef>
+                <a:spcPts val="500"/>
+              </a:spcBef>
+              <a:buFont typeface="Arial" panose="020B0604020202020204" pitchFamily="34" charset="0"/>
+              <a:buNone/>
+              <a:defRPr sz="2000" kern="1200">
+                <a:solidFill>
+                  <a:schemeClr val="tx1"/>
+                </a:solidFill>
+                <a:latin typeface="+mn-lt"/>
+                <a:ea typeface="+mn-ea"/>
+                <a:cs typeface="+mn-cs"/>
+              </a:defRPr>
+            </a:lvl2pPr>
+            <a:lvl3pPr marL="914400" indent="0" algn="ctr" defTabSz="914400" rtl="0" eaLnBrk="1" latinLnBrk="0" hangingPunct="1">
+              <a:lnSpc>
+                <a:spcPct val="90000"/>
+              </a:lnSpc>
+              <a:spcBef>
+                <a:spcPts val="500"/>
+              </a:spcBef>
+              <a:buFont typeface="Arial" panose="020B0604020202020204" pitchFamily="34" charset="0"/>
+              <a:buNone/>
+              <a:defRPr sz="1800" kern="1200">
+                <a:solidFill>
+                  <a:schemeClr val="tx1"/>
+                </a:solidFill>
+                <a:latin typeface="+mn-lt"/>
+                <a:ea typeface="+mn-ea"/>
+                <a:cs typeface="+mn-cs"/>
+              </a:defRPr>
+            </a:lvl3pPr>
+            <a:lvl4pPr marL="1371600" indent="0" algn="ctr" defTabSz="914400" rtl="0" eaLnBrk="1" latinLnBrk="0" hangingPunct="1">
+              <a:lnSpc>
+                <a:spcPct val="90000"/>
+              </a:lnSpc>
+              <a:spcBef>
+                <a:spcPts val="500"/>
+              </a:spcBef>
+              <a:buFont typeface="Arial" panose="020B0604020202020204" pitchFamily="34" charset="0"/>
+              <a:buNone/>
+              <a:defRPr sz="1600" kern="1200">
+                <a:solidFill>
+                  <a:schemeClr val="tx1"/>
+                </a:solidFill>
+                <a:latin typeface="+mn-lt"/>
+                <a:ea typeface="+mn-ea"/>
+                <a:cs typeface="+mn-cs"/>
+              </a:defRPr>
+            </a:lvl4pPr>
+            <a:lvl5pPr marL="1828800" indent="0" algn="ctr" defTabSz="914400" rtl="0" eaLnBrk="1" latinLnBrk="0" hangingPunct="1">
+              <a:lnSpc>
+                <a:spcPct val="90000"/>
+              </a:lnSpc>
+              <a:spcBef>
+                <a:spcPts val="500"/>
+              </a:spcBef>
+              <a:buFont typeface="Arial" panose="020B0604020202020204" pitchFamily="34" charset="0"/>
+              <a:buNone/>
+              <a:defRPr sz="1600" kern="1200">
+                <a:solidFill>
+                  <a:schemeClr val="tx1"/>
+                </a:solidFill>
+                <a:latin typeface="+mn-lt"/>
+                <a:ea typeface="+mn-ea"/>
+                <a:cs typeface="+mn-cs"/>
+              </a:defRPr>
+            </a:lvl5pPr>
+            <a:lvl6pPr marL="2286000" indent="0" algn="ctr" defTabSz="914400" rtl="0" eaLnBrk="1" latinLnBrk="0" hangingPunct="1">
+              <a:lnSpc>
+                <a:spcPct val="90000"/>
+              </a:lnSpc>
+              <a:spcBef>
+                <a:spcPts val="500"/>
+              </a:spcBef>
+              <a:buFont typeface="Arial" panose="020B0604020202020204" pitchFamily="34" charset="0"/>
+              <a:buNone/>
+              <a:defRPr sz="1600" kern="1200">
+                <a:solidFill>
+                  <a:schemeClr val="tx1"/>
+                </a:solidFill>
+                <a:latin typeface="+mn-lt"/>
+                <a:ea typeface="+mn-ea"/>
+                <a:cs typeface="+mn-cs"/>
+              </a:defRPr>
+            </a:lvl6pPr>
+            <a:lvl7pPr marL="2743200" indent="0" algn="ctr" defTabSz="914400" rtl="0" eaLnBrk="1" latinLnBrk="0" hangingPunct="1">
+              <a:lnSpc>
+                <a:spcPct val="90000"/>
+              </a:lnSpc>
+              <a:spcBef>
+                <a:spcPts val="500"/>
+              </a:spcBef>
+              <a:buFont typeface="Arial" panose="020B0604020202020204" pitchFamily="34" charset="0"/>
+              <a:buNone/>
+              <a:defRPr sz="1600" kern="1200">
+                <a:solidFill>
+                  <a:schemeClr val="tx1"/>
+                </a:solidFill>
+                <a:latin typeface="+mn-lt"/>
+                <a:ea typeface="+mn-ea"/>
+                <a:cs typeface="+mn-cs"/>
+              </a:defRPr>
+            </a:lvl7pPr>
+            <a:lvl8pPr marL="3200400" indent="0" algn="ctr" defTabSz="914400" rtl="0" eaLnBrk="1" latinLnBrk="0" hangingPunct="1">
+              <a:lnSpc>
+                <a:spcPct val="90000"/>
+              </a:lnSpc>
+              <a:spcBef>
+                <a:spcPts val="500"/>
+              </a:spcBef>
+              <a:buFont typeface="Arial" panose="020B0604020202020204" pitchFamily="34" charset="0"/>
+              <a:buNone/>
+              <a:defRPr sz="1600" kern="1200">
+                <a:solidFill>
+                  <a:schemeClr val="tx1"/>
+                </a:solidFill>
+                <a:latin typeface="+mn-lt"/>
+                <a:ea typeface="+mn-ea"/>
+                <a:cs typeface="+mn-cs"/>
+              </a:defRPr>
+            </a:lvl8pPr>
+            <a:lvl9pPr marL="3657600" indent="0" algn="ctr" defTabSz="914400" rtl="0" eaLnBrk="1" latinLnBrk="0" hangingPunct="1">
+              <a:lnSpc>
+                <a:spcPct val="90000"/>
+              </a:lnSpc>
+              <a:spcBef>
+                <a:spcPts val="500"/>
+              </a:spcBef>
+              <a:buFont typeface="Arial" panose="020B0604020202020204" pitchFamily="34" charset="0"/>
+              <a:buNone/>
+              <a:defRPr sz="1600" kern="1200">
+                <a:solidFill>
+                  <a:schemeClr val="tx1"/>
+                </a:solidFill>
+                <a:latin typeface="+mn-lt"/>
+                <a:ea typeface="+mn-ea"/>
+                <a:cs typeface="+mn-cs"/>
+              </a:defRPr>
+            </a:lvl9pPr>
+          </a:lstStyle>
+          <a:p>
+            <a:r>
+              <a:rPr lang="it-IT" sz="1000" dirty="0">
+                <a:solidFill>
+                  <a:srgbClr val="121212"/>
+                </a:solidFill>
+                <a:latin typeface="Catamaran SemiBold" panose="00000700000000000000" pitchFamily="2" charset="0"/>
+                <a:cs typeface="Catamaran SemiBold" panose="00000700000000000000" pitchFamily="2" charset="0"/>
+              </a:rPr>
+              <a:t>* Da Gennaio ad Aprile</a:t>
+            </a:r>
+            <a:r>
+              <a:rPr lang="it-IT" sz="1000">
+                <a:solidFill>
+                  <a:srgbClr val="121212"/>
+                </a:solidFill>
+                <a:latin typeface="Catamaran SemiBold" panose="00000700000000000000" pitchFamily="2" charset="0"/>
+                <a:cs typeface="Catamaran SemiBold" panose="00000700000000000000" pitchFamily="2" charset="0"/>
+              </a:rPr>
+              <a:t>, solo </a:t>
+            </a:r>
+            <a:r>
+              <a:rPr lang="it-IT" sz="1000" dirty="0">
+                <a:solidFill>
+                  <a:srgbClr val="121212"/>
+                </a:solidFill>
+                <a:latin typeface="Catamaran SemiBold" panose="00000700000000000000" pitchFamily="2" charset="0"/>
+                <a:cs typeface="Catamaran SemiBold" panose="00000700000000000000" pitchFamily="2" charset="0"/>
+              </a:rPr>
+              <a:t>online visto che sono in Canada</a:t>
+            </a:r>
+          </a:p>
+        </p:txBody>
+      </p:sp>
+      <p:sp>
+        <p:nvSpPr>
+          <p:cNvPr id="12" name="Sottotitolo 2">
+            <a:extLst>
+              <a:ext uri="{FF2B5EF4-FFF2-40B4-BE49-F238E27FC236}">
+                <a16:creationId xmlns:a16="http://schemas.microsoft.com/office/drawing/2014/main" id="{8589979E-310E-3DA2-2E21-0F35DA87FD25}"/>
+              </a:ext>
+            </a:extLst>
+          </p:cNvPr>
+          <p:cNvSpPr txBox="1">
+            <a:spLocks/>
+          </p:cNvSpPr>
+          <p:nvPr/>
+        </p:nvSpPr>
+        <p:spPr>
+          <a:xfrm>
+            <a:off x="4952999" y="6502645"/>
+            <a:ext cx="4953000" cy="380115"/>
+          </a:xfrm>
+          <a:prstGeom prst="rect">
+            <a:avLst/>
+          </a:prstGeom>
+        </p:spPr>
+        <p:txBody>
+          <a:bodyPr vert="horz" lIns="74295" tIns="37148" rIns="74295" bIns="37148" rtlCol="0" anchor="ctr">
+            <a:normAutofit/>
+          </a:bodyPr>
+          <a:lstStyle>
+            <a:lvl1pPr marL="0" indent="0" algn="ctr" defTabSz="914400" rtl="0" eaLnBrk="1" latinLnBrk="0" hangingPunct="1">
+              <a:lnSpc>
+                <a:spcPct val="90000"/>
+              </a:lnSpc>
+              <a:spcBef>
+                <a:spcPts val="1000"/>
+              </a:spcBef>
+              <a:buFont typeface="Arial" panose="020B0604020202020204" pitchFamily="34" charset="0"/>
+              <a:buNone/>
+              <a:defRPr sz="2400" kern="1200">
+                <a:solidFill>
+                  <a:schemeClr val="tx1"/>
+                </a:solidFill>
+                <a:latin typeface="+mn-lt"/>
+                <a:ea typeface="+mn-ea"/>
+                <a:cs typeface="+mn-cs"/>
+              </a:defRPr>
+            </a:lvl1pPr>
+            <a:lvl2pPr marL="457200" indent="0" algn="ctr" defTabSz="914400" rtl="0" eaLnBrk="1" latinLnBrk="0" hangingPunct="1">
+              <a:lnSpc>
+                <a:spcPct val="90000"/>
+              </a:lnSpc>
+              <a:spcBef>
+                <a:spcPts val="500"/>
+              </a:spcBef>
+              <a:buFont typeface="Arial" panose="020B0604020202020204" pitchFamily="34" charset="0"/>
+              <a:buNone/>
+              <a:defRPr sz="2000" kern="1200">
+                <a:solidFill>
+                  <a:schemeClr val="tx1"/>
+                </a:solidFill>
+                <a:latin typeface="+mn-lt"/>
+                <a:ea typeface="+mn-ea"/>
+                <a:cs typeface="+mn-cs"/>
+              </a:defRPr>
+            </a:lvl2pPr>
+            <a:lvl3pPr marL="914400" indent="0" algn="ctr" defTabSz="914400" rtl="0" eaLnBrk="1" latinLnBrk="0" hangingPunct="1">
+              <a:lnSpc>
+                <a:spcPct val="90000"/>
+              </a:lnSpc>
+              <a:spcBef>
+                <a:spcPts val="500"/>
+              </a:spcBef>
+              <a:buFont typeface="Arial" panose="020B0604020202020204" pitchFamily="34" charset="0"/>
+              <a:buNone/>
+              <a:defRPr sz="1800" kern="1200">
+                <a:solidFill>
+                  <a:schemeClr val="tx1"/>
+                </a:solidFill>
+                <a:latin typeface="+mn-lt"/>
+                <a:ea typeface="+mn-ea"/>
+                <a:cs typeface="+mn-cs"/>
+              </a:defRPr>
+            </a:lvl3pPr>
+            <a:lvl4pPr marL="1371600" indent="0" algn="ctr" defTabSz="914400" rtl="0" eaLnBrk="1" latinLnBrk="0" hangingPunct="1">
+              <a:lnSpc>
+                <a:spcPct val="90000"/>
+              </a:lnSpc>
+              <a:spcBef>
+                <a:spcPts val="500"/>
+              </a:spcBef>
+              <a:buFont typeface="Arial" panose="020B0604020202020204" pitchFamily="34" charset="0"/>
+              <a:buNone/>
+              <a:defRPr sz="1600" kern="1200">
+                <a:solidFill>
+                  <a:schemeClr val="tx1"/>
+                </a:solidFill>
+                <a:latin typeface="+mn-lt"/>
+                <a:ea typeface="+mn-ea"/>
+                <a:cs typeface="+mn-cs"/>
+              </a:defRPr>
+            </a:lvl4pPr>
+            <a:lvl5pPr marL="1828800" indent="0" algn="ctr" defTabSz="914400" rtl="0" eaLnBrk="1" latinLnBrk="0" hangingPunct="1">
+              <a:lnSpc>
+                <a:spcPct val="90000"/>
+              </a:lnSpc>
+              <a:spcBef>
+                <a:spcPts val="500"/>
+              </a:spcBef>
+              <a:buFont typeface="Arial" panose="020B0604020202020204" pitchFamily="34" charset="0"/>
+              <a:buNone/>
+              <a:defRPr sz="1600" kern="1200">
+                <a:solidFill>
+                  <a:schemeClr val="tx1"/>
+                </a:solidFill>
+                <a:latin typeface="+mn-lt"/>
+                <a:ea typeface="+mn-ea"/>
+                <a:cs typeface="+mn-cs"/>
+              </a:defRPr>
+            </a:lvl5pPr>
+            <a:lvl6pPr marL="2286000" indent="0" algn="ctr" defTabSz="914400" rtl="0" eaLnBrk="1" latinLnBrk="0" hangingPunct="1">
+              <a:lnSpc>
+                <a:spcPct val="90000"/>
+              </a:lnSpc>
+              <a:spcBef>
+                <a:spcPts val="500"/>
+              </a:spcBef>
+              <a:buFont typeface="Arial" panose="020B0604020202020204" pitchFamily="34" charset="0"/>
+              <a:buNone/>
+              <a:defRPr sz="1600" kern="1200">
+                <a:solidFill>
+                  <a:schemeClr val="tx1"/>
+                </a:solidFill>
+                <a:latin typeface="+mn-lt"/>
+                <a:ea typeface="+mn-ea"/>
+                <a:cs typeface="+mn-cs"/>
+              </a:defRPr>
+            </a:lvl6pPr>
+            <a:lvl7pPr marL="2743200" indent="0" algn="ctr" defTabSz="914400" rtl="0" eaLnBrk="1" latinLnBrk="0" hangingPunct="1">
+              <a:lnSpc>
+                <a:spcPct val="90000"/>
+              </a:lnSpc>
+              <a:spcBef>
+                <a:spcPts val="500"/>
+              </a:spcBef>
+              <a:buFont typeface="Arial" panose="020B0604020202020204" pitchFamily="34" charset="0"/>
+              <a:buNone/>
+              <a:defRPr sz="1600" kern="1200">
+                <a:solidFill>
+                  <a:schemeClr val="tx1"/>
+                </a:solidFill>
+                <a:latin typeface="+mn-lt"/>
+                <a:ea typeface="+mn-ea"/>
+                <a:cs typeface="+mn-cs"/>
+              </a:defRPr>
+            </a:lvl7pPr>
+            <a:lvl8pPr marL="3200400" indent="0" algn="ctr" defTabSz="914400" rtl="0" eaLnBrk="1" latinLnBrk="0" hangingPunct="1">
+              <a:lnSpc>
+                <a:spcPct val="90000"/>
+              </a:lnSpc>
+              <a:spcBef>
+                <a:spcPts val="500"/>
+              </a:spcBef>
+              <a:buFont typeface="Arial" panose="020B0604020202020204" pitchFamily="34" charset="0"/>
+              <a:buNone/>
+              <a:defRPr sz="1600" kern="1200">
+                <a:solidFill>
+                  <a:schemeClr val="tx1"/>
+                </a:solidFill>
+                <a:latin typeface="+mn-lt"/>
+                <a:ea typeface="+mn-ea"/>
+                <a:cs typeface="+mn-cs"/>
+              </a:defRPr>
+            </a:lvl8pPr>
+            <a:lvl9pPr marL="3657600" indent="0" algn="ctr" defTabSz="914400" rtl="0" eaLnBrk="1" latinLnBrk="0" hangingPunct="1">
+              <a:lnSpc>
+                <a:spcPct val="90000"/>
+              </a:lnSpc>
+              <a:spcBef>
+                <a:spcPts val="500"/>
+              </a:spcBef>
+              <a:buFont typeface="Arial" panose="020B0604020202020204" pitchFamily="34" charset="0"/>
+              <a:buNone/>
+              <a:defRPr sz="1600" kern="1200">
+                <a:solidFill>
+                  <a:schemeClr val="tx1"/>
+                </a:solidFill>
+                <a:latin typeface="+mn-lt"/>
+                <a:ea typeface="+mn-ea"/>
+                <a:cs typeface="+mn-cs"/>
+              </a:defRPr>
+            </a:lvl9pPr>
+          </a:lstStyle>
+          <a:p>
+            <a:r>
+              <a:rPr lang="it-IT" sz="1000" dirty="0">
+                <a:solidFill>
+                  <a:srgbClr val="121212"/>
+                </a:solidFill>
+                <a:latin typeface="Catamaran SemiBold" panose="00000700000000000000" pitchFamily="2" charset="0"/>
+                <a:cs typeface="Catamaran SemiBold" panose="00000700000000000000" pitchFamily="2" charset="0"/>
+              </a:rPr>
+              <a:t>**Gruppetti di 2/3 ben accetti, purché della stessa classe</a:t>
+            </a:r>
+          </a:p>
+        </p:txBody>
+      </p:sp>
     </p:spTree>
     <p:extLst>
       <p:ext uri="{BB962C8B-B14F-4D97-AF65-F5344CB8AC3E}">
